--- a/G4-wk08.pptx
+++ b/G4-wk08.pptx
@@ -265,7 +265,7 @@
       </p15:sldGuideLst>
     </p:ext>
     <p:ext uri="GoogleSlidesCustomDataVersion2">
-      <go:slidesCustomData xmlns:go="http://customooxmlschemas.google.com/" r:id="rId15" roundtripDataSignature="AMtx7mh5t6Fw/KCrw98cQUCg9Eb9ceIGSQ=="/>
+      <go:slidesCustomData xmlns:go="http://customooxmlschemas.google.com/" r:id="rId15" roundtripDataSignature="AMtx7mhlPN22mEJ4nKCs2OOFGA7nnqEqZQ=="/>
     </p:ext>
   </p:extLst>
 </p:presentation>
@@ -1835,7 +1835,7 @@
       </p:grpSpPr>
       <p:sp>
         <p:nvSpPr>
-          <p:cNvPr id="36" name="Google Shape;36;g33595029206_1_0:notes"/>
+          <p:cNvPr id="36" name="Google Shape;36;g33f8165576b_0_0:notes"/>
           <p:cNvSpPr txBox="1"/>
           <p:nvPr>
             <p:ph idx="1" type="body"/>
@@ -1882,7 +1882,7 @@
       </p:sp>
       <p:sp>
         <p:nvSpPr>
-          <p:cNvPr id="37" name="Google Shape;37;g33595029206_1_0:notes"/>
+          <p:cNvPr id="37" name="Google Shape;37;g33f8165576b_0_0:notes"/>
           <p:cNvSpPr/>
           <p:nvPr>
             <p:ph idx="2" type="sldImg"/>
@@ -1938,7 +1938,7 @@
   <p:cSld>
     <p:spTree>
       <p:nvGrpSpPr>
-        <p:cNvPr id="43" name="Shape 43"/>
+        <p:cNvPr id="42" name="Shape 42"/>
         <p:cNvGrpSpPr/>
         <p:nvPr/>
       </p:nvGrpSpPr>
@@ -1952,7 +1952,7 @@
       </p:grpSpPr>
       <p:sp>
         <p:nvSpPr>
-          <p:cNvPr id="44" name="Google Shape;44;g33f8165576b_0_0:notes"/>
+          <p:cNvPr id="43" name="Google Shape;43;g33595029206_1_0:notes"/>
           <p:cNvSpPr txBox="1"/>
           <p:nvPr>
             <p:ph idx="1" type="body"/>
@@ -1999,7 +1999,7 @@
       </p:sp>
       <p:sp>
         <p:nvSpPr>
-          <p:cNvPr id="45" name="Google Shape;45;g33f8165576b_0_0:notes"/>
+          <p:cNvPr id="44" name="Google Shape;44;g33595029206_1_0:notes"/>
           <p:cNvSpPr/>
           <p:nvPr>
             <p:ph idx="2" type="sldImg"/>
@@ -7300,386 +7300,7 @@
       </p:grpSpPr>
       <p:sp>
         <p:nvSpPr>
-          <p:cNvPr id="39" name="Google Shape;39;g33595029206_1_0"/>
-          <p:cNvSpPr txBox="1"/>
-          <p:nvPr>
-            <p:ph idx="4294967295" type="title"/>
-          </p:nvPr>
-        </p:nvSpPr>
-        <p:spPr>
-          <a:xfrm>
-            <a:off x="709613" y="365125"/>
-            <a:ext cx="11482500" cy="1325700"/>
-          </a:xfrm>
-          <a:prstGeom prst="rect">
-            <a:avLst/>
-          </a:prstGeom>
-          <a:noFill/>
-          <a:ln>
-            <a:noFill/>
-          </a:ln>
-        </p:spPr>
-        <p:txBody>
-          <a:bodyPr anchorCtr="0" anchor="ctr" bIns="45700" lIns="91425" spcFirstLastPara="1" rIns="91425" wrap="square" tIns="45700">
-            <a:normAutofit/>
-          </a:bodyPr>
-          <a:lstStyle/>
-          <a:p>
-            <a:pPr indent="0" lvl="0" marL="0" rtl="0" algn="l">
-              <a:lnSpc>
-                <a:spcPct val="90000"/>
-              </a:lnSpc>
-              <a:spcBef>
-                <a:spcPts val="0"/>
-              </a:spcBef>
-              <a:spcAft>
-                <a:spcPts val="0"/>
-              </a:spcAft>
-              <a:buClr>
-                <a:srgbClr val="E84A27"/>
-              </a:buClr>
-              <a:buSzPts val="4400"/>
-              <a:buFont typeface="Georgia"/>
-              <a:buNone/>
-            </a:pPr>
-            <a:r>
-              <a:rPr lang="en-US"/>
-              <a:t>Project Overview*</a:t>
-            </a:r>
-            <a:endParaRPr/>
-          </a:p>
-        </p:txBody>
-      </p:sp>
-      <p:sp>
-        <p:nvSpPr>
-          <p:cNvPr id="40" name="Google Shape;40;g33595029206_1_0"/>
-          <p:cNvSpPr txBox="1"/>
-          <p:nvPr/>
-        </p:nvSpPr>
-        <p:spPr>
-          <a:xfrm>
-            <a:off x="709625" y="1601675"/>
-            <a:ext cx="8728800" cy="4361700"/>
-          </a:xfrm>
-          <a:prstGeom prst="rect">
-            <a:avLst/>
-          </a:prstGeom>
-          <a:noFill/>
-          <a:ln>
-            <a:noFill/>
-          </a:ln>
-        </p:spPr>
-        <p:txBody>
-          <a:bodyPr anchorCtr="0" anchor="t" bIns="91425" lIns="91425" spcFirstLastPara="1" rIns="91425" wrap="square" tIns="91425">
-            <a:noAutofit/>
-          </a:bodyPr>
-          <a:lstStyle/>
-          <a:p>
-            <a:pPr indent="-457200" lvl="0" marL="457200" rtl="0" algn="l">
-              <a:spcBef>
-                <a:spcPts val="0"/>
-              </a:spcBef>
-              <a:spcAft>
-                <a:spcPts val="0"/>
-              </a:spcAft>
-              <a:buClr>
-                <a:srgbClr val="13294B"/>
-              </a:buClr>
-              <a:buSzPts val="3600"/>
-              <a:buFont typeface="Calibri"/>
-              <a:buChar char="●"/>
-            </a:pPr>
-            <a:r>
-              <a:rPr lang="en-US" sz="3600">
-                <a:solidFill>
-                  <a:srgbClr val="13294B"/>
-                </a:solidFill>
-                <a:latin typeface="Calibri"/>
-                <a:ea typeface="Calibri"/>
-                <a:cs typeface="Calibri"/>
-                <a:sym typeface="Calibri"/>
-              </a:rPr>
-              <a:t>Modular Online Processing in MSRs (MOP)</a:t>
-            </a:r>
-            <a:endParaRPr sz="3600">
-              <a:solidFill>
-                <a:srgbClr val="13294B"/>
-              </a:solidFill>
-              <a:latin typeface="Calibri"/>
-              <a:ea typeface="Calibri"/>
-              <a:cs typeface="Calibri"/>
-              <a:sym typeface="Calibri"/>
-            </a:endParaRPr>
-          </a:p>
-          <a:p>
-            <a:pPr indent="-457200" lvl="1" marL="914400" rtl="0" algn="l">
-              <a:spcBef>
-                <a:spcPts val="0"/>
-              </a:spcBef>
-              <a:spcAft>
-                <a:spcPts val="0"/>
-              </a:spcAft>
-              <a:buClr>
-                <a:srgbClr val="13294B"/>
-              </a:buClr>
-              <a:buSzPts val="3600"/>
-              <a:buFont typeface="Calibri"/>
-              <a:buChar char="○"/>
-            </a:pPr>
-            <a:r>
-              <a:rPr lang="en-US" sz="3600">
-                <a:solidFill>
-                  <a:srgbClr val="13294B"/>
-                </a:solidFill>
-                <a:latin typeface="Calibri"/>
-                <a:ea typeface="Calibri"/>
-                <a:cs typeface="Calibri"/>
-                <a:sym typeface="Calibri"/>
-              </a:rPr>
-              <a:t>replace batch-wise/offline</a:t>
-            </a:r>
-            <a:endParaRPr sz="3600">
-              <a:solidFill>
-                <a:srgbClr val="13294B"/>
-              </a:solidFill>
-              <a:latin typeface="Calibri"/>
-              <a:ea typeface="Calibri"/>
-              <a:cs typeface="Calibri"/>
-              <a:sym typeface="Calibri"/>
-            </a:endParaRPr>
-          </a:p>
-          <a:p>
-            <a:pPr indent="-457200" lvl="0" marL="457200" rtl="0" algn="l">
-              <a:spcBef>
-                <a:spcPts val="0"/>
-              </a:spcBef>
-              <a:spcAft>
-                <a:spcPts val="0"/>
-              </a:spcAft>
-              <a:buClr>
-                <a:srgbClr val="13294B"/>
-              </a:buClr>
-              <a:buSzPts val="3600"/>
-              <a:buFont typeface="Calibri"/>
-              <a:buChar char="●"/>
-            </a:pPr>
-            <a:r>
-              <a:rPr lang="en-US" sz="3600">
-                <a:solidFill>
-                  <a:srgbClr val="13294B"/>
-                </a:solidFill>
-                <a:latin typeface="Calibri"/>
-                <a:ea typeface="Calibri"/>
-                <a:cs typeface="Calibri"/>
-                <a:sym typeface="Calibri"/>
-              </a:rPr>
-              <a:t>Adaptive Processing Modules (APM)</a:t>
-            </a:r>
-            <a:endParaRPr sz="3600">
-              <a:solidFill>
-                <a:srgbClr val="13294B"/>
-              </a:solidFill>
-              <a:latin typeface="Calibri"/>
-              <a:ea typeface="Calibri"/>
-              <a:cs typeface="Calibri"/>
-              <a:sym typeface="Calibri"/>
-            </a:endParaRPr>
-          </a:p>
-          <a:p>
-            <a:pPr indent="-457200" lvl="1" marL="914400" rtl="0" algn="l">
-              <a:spcBef>
-                <a:spcPts val="0"/>
-              </a:spcBef>
-              <a:spcAft>
-                <a:spcPts val="0"/>
-              </a:spcAft>
-              <a:buClr>
-                <a:srgbClr val="13294B"/>
-              </a:buClr>
-              <a:buSzPts val="3600"/>
-              <a:buFont typeface="Calibri"/>
-              <a:buChar char="○"/>
-            </a:pPr>
-            <a:r>
-              <a:rPr lang="en-US" sz="3600">
-                <a:solidFill>
-                  <a:srgbClr val="13294B"/>
-                </a:solidFill>
-                <a:latin typeface="Calibri"/>
-                <a:ea typeface="Calibri"/>
-                <a:cs typeface="Calibri"/>
-                <a:sym typeface="Calibri"/>
-              </a:rPr>
-              <a:t>each module removes specific nuclide</a:t>
-            </a:r>
-            <a:endParaRPr sz="3600">
-              <a:solidFill>
-                <a:srgbClr val="13294B"/>
-              </a:solidFill>
-              <a:latin typeface="Calibri"/>
-              <a:ea typeface="Calibri"/>
-              <a:cs typeface="Calibri"/>
-              <a:sym typeface="Calibri"/>
-            </a:endParaRPr>
-          </a:p>
-          <a:p>
-            <a:pPr indent="-457200" lvl="0" marL="457200" rtl="0" algn="l">
-              <a:spcBef>
-                <a:spcPts val="0"/>
-              </a:spcBef>
-              <a:spcAft>
-                <a:spcPts val="0"/>
-              </a:spcAft>
-              <a:buClr>
-                <a:srgbClr val="13294B"/>
-              </a:buClr>
-              <a:buSzPts val="3600"/>
-              <a:buFont typeface="Calibri"/>
-              <a:buChar char="●"/>
-            </a:pPr>
-            <a:r>
-              <a:rPr lang="en-US" sz="3600">
-                <a:solidFill>
-                  <a:srgbClr val="13294B"/>
-                </a:solidFill>
-                <a:latin typeface="Calibri"/>
-                <a:ea typeface="Calibri"/>
-                <a:cs typeface="Calibri"/>
-                <a:sym typeface="Calibri"/>
-              </a:rPr>
-              <a:t>He bubbler for fission gasses</a:t>
-            </a:r>
-            <a:endParaRPr sz="3600">
-              <a:solidFill>
-                <a:srgbClr val="13294B"/>
-              </a:solidFill>
-              <a:latin typeface="Calibri"/>
-              <a:ea typeface="Calibri"/>
-              <a:cs typeface="Calibri"/>
-              <a:sym typeface="Calibri"/>
-            </a:endParaRPr>
-          </a:p>
-          <a:p>
-            <a:pPr indent="-457200" lvl="0" marL="457200" rtl="0" algn="l">
-              <a:spcBef>
-                <a:spcPts val="0"/>
-              </a:spcBef>
-              <a:spcAft>
-                <a:spcPts val="0"/>
-              </a:spcAft>
-              <a:buClr>
-                <a:srgbClr val="13294B"/>
-              </a:buClr>
-              <a:buSzPts val="3600"/>
-              <a:buFont typeface="Calibri"/>
-              <a:buChar char="●"/>
-            </a:pPr>
-            <a:r>
-              <a:rPr lang="en-US" sz="3600">
-                <a:solidFill>
-                  <a:srgbClr val="13294B"/>
-                </a:solidFill>
-                <a:latin typeface="Calibri"/>
-                <a:ea typeface="Calibri"/>
-                <a:cs typeface="Calibri"/>
-                <a:sym typeface="Calibri"/>
-              </a:rPr>
-              <a:t>Lower equilibrium concentrations</a:t>
-            </a:r>
-            <a:endParaRPr sz="3600">
-              <a:solidFill>
-                <a:srgbClr val="13294B"/>
-              </a:solidFill>
-              <a:latin typeface="Calibri"/>
-              <a:ea typeface="Calibri"/>
-              <a:cs typeface="Calibri"/>
-              <a:sym typeface="Calibri"/>
-            </a:endParaRPr>
-          </a:p>
-        </p:txBody>
-      </p:sp>
-      <p:pic>
-        <p:nvPicPr>
-          <p:cNvPr id="41" name="Google Shape;41;g33595029206_1_0"/>
-          <p:cNvPicPr preferRelativeResize="0"/>
-          <p:nvPr/>
-        </p:nvPicPr>
-        <p:blipFill rotWithShape="1">
-          <a:blip r:embed="rId3">
-            <a:alphaModFix/>
-          </a:blip>
-          <a:srcRect b="33749" l="20363" r="17778" t="37250"/>
-          <a:stretch/>
-        </p:blipFill>
-        <p:spPr>
-          <a:xfrm>
-            <a:off x="7840900" y="4433451"/>
-            <a:ext cx="4351099" cy="1529925"/>
-          </a:xfrm>
-          <a:prstGeom prst="rect">
-            <a:avLst/>
-          </a:prstGeom>
-          <a:noFill/>
-          <a:ln>
-            <a:noFill/>
-          </a:ln>
-        </p:spPr>
-      </p:pic>
-      <p:pic>
-        <p:nvPicPr>
-          <p:cNvPr id="42" name="Google Shape;42;g33595029206_1_0"/>
-          <p:cNvPicPr preferRelativeResize="0"/>
-          <p:nvPr/>
-        </p:nvPicPr>
-        <p:blipFill rotWithShape="1">
-          <a:blip r:embed="rId4">
-            <a:alphaModFix/>
-          </a:blip>
-          <a:srcRect b="15595" l="38923" r="36487" t="22269"/>
-          <a:stretch/>
-        </p:blipFill>
-        <p:spPr>
-          <a:xfrm>
-            <a:off x="9923325" y="365125"/>
-            <a:ext cx="1914619" cy="3628401"/>
-          </a:xfrm>
-          <a:prstGeom prst="rect">
-            <a:avLst/>
-          </a:prstGeom>
-          <a:noFill/>
-          <a:ln>
-            <a:noFill/>
-          </a:ln>
-        </p:spPr>
-      </p:pic>
-    </p:spTree>
-  </p:cSld>
-  <p:clrMapOvr>
-    <a:masterClrMapping/>
-  </p:clrMapOvr>
-</p:sld>
-</file>
-
-<file path=ppt/slides/slide3.xml><?xml version="1.0" encoding="utf-8"?>
-<p:sld xmlns:a="http://schemas.openxmlformats.org/drawingml/2006/main" xmlns:r="http://schemas.openxmlformats.org/officeDocument/2006/relationships" xmlns:mc="http://schemas.openxmlformats.org/markup-compatibility/2006" xmlns:mv="urn:schemas-microsoft-com:mac:vml" xmlns:p="http://schemas.openxmlformats.org/presentationml/2006/main" xmlns:c="http://schemas.openxmlformats.org/drawingml/2006/chart" xmlns:dgm="http://schemas.openxmlformats.org/drawingml/2006/diagram" xmlns:o="urn:schemas-microsoft-com:office:office" xmlns:v="urn:schemas-microsoft-com:vml" xmlns:pvml="urn:schemas-microsoft-com:office:powerpoint" xmlns:com="http://schemas.openxmlformats.org/drawingml/2006/compatibility" xmlns:p14="http://schemas.microsoft.com/office/powerpoint/2010/main" xmlns:p15="http://schemas.microsoft.com/office/powerpoint/2012/main" xmlns:ahyp="http://schemas.microsoft.com/office/drawing/2018/hyperlinkcolor">
-  <p:cSld>
-    <p:spTree>
-      <p:nvGrpSpPr>
-        <p:cNvPr id="46" name="Shape 46"/>
-        <p:cNvGrpSpPr/>
-        <p:nvPr/>
-      </p:nvGrpSpPr>
-      <p:grpSpPr>
-        <a:xfrm>
-          <a:off x="0" y="0"/>
-          <a:ext cx="0" cy="0"/>
-          <a:chOff x="0" y="0"/>
-          <a:chExt cx="0" cy="0"/>
-        </a:xfrm>
-      </p:grpSpPr>
-      <p:sp>
-        <p:nvSpPr>
-          <p:cNvPr id="47" name="Google Shape;47;g33f8165576b_0_0"/>
+          <p:cNvPr id="39" name="Google Shape;39;g33f8165576b_0_0"/>
           <p:cNvSpPr txBox="1"/>
           <p:nvPr>
             <p:ph idx="4294967295" type="title"/>
@@ -7731,7 +7352,7 @@
       </p:sp>
       <p:sp>
         <p:nvSpPr>
-          <p:cNvPr id="48" name="Google Shape;48;g33f8165576b_0_0"/>
+          <p:cNvPr id="40" name="Google Shape;40;g33f8165576b_0_0"/>
           <p:cNvSpPr txBox="1"/>
           <p:nvPr/>
         </p:nvSpPr>
@@ -8077,7 +7698,7 @@
       </p:sp>
       <p:pic>
         <p:nvPicPr>
-          <p:cNvPr id="49" name="Google Shape;49;g33f8165576b_0_0" title="Screenshot 2025-03-12 at 11.36.03 AM.png"/>
+          <p:cNvPr id="41" name="Google Shape;41;g33f8165576b_0_0" title="Screenshot 2025-03-12 at 11.36.03 AM.png"/>
           <p:cNvPicPr preferRelativeResize="0"/>
           <p:nvPr/>
         </p:nvPicPr>
@@ -8093,6 +7714,385 @@
           <a:xfrm>
             <a:off x="7775725" y="2517487"/>
             <a:ext cx="4021400" cy="1823025"/>
+          </a:xfrm>
+          <a:prstGeom prst="rect">
+            <a:avLst/>
+          </a:prstGeom>
+          <a:noFill/>
+          <a:ln>
+            <a:noFill/>
+          </a:ln>
+        </p:spPr>
+      </p:pic>
+    </p:spTree>
+  </p:cSld>
+  <p:clrMapOvr>
+    <a:masterClrMapping/>
+  </p:clrMapOvr>
+</p:sld>
+</file>
+
+<file path=ppt/slides/slide3.xml><?xml version="1.0" encoding="utf-8"?>
+<p:sld xmlns:a="http://schemas.openxmlformats.org/drawingml/2006/main" xmlns:r="http://schemas.openxmlformats.org/officeDocument/2006/relationships" xmlns:mc="http://schemas.openxmlformats.org/markup-compatibility/2006" xmlns:mv="urn:schemas-microsoft-com:mac:vml" xmlns:p="http://schemas.openxmlformats.org/presentationml/2006/main" xmlns:c="http://schemas.openxmlformats.org/drawingml/2006/chart" xmlns:dgm="http://schemas.openxmlformats.org/drawingml/2006/diagram" xmlns:o="urn:schemas-microsoft-com:office:office" xmlns:v="urn:schemas-microsoft-com:vml" xmlns:pvml="urn:schemas-microsoft-com:office:powerpoint" xmlns:com="http://schemas.openxmlformats.org/drawingml/2006/compatibility" xmlns:p14="http://schemas.microsoft.com/office/powerpoint/2010/main" xmlns:p15="http://schemas.microsoft.com/office/powerpoint/2012/main" xmlns:ahyp="http://schemas.microsoft.com/office/drawing/2018/hyperlinkcolor">
+  <p:cSld>
+    <p:spTree>
+      <p:nvGrpSpPr>
+        <p:cNvPr id="45" name="Shape 45"/>
+        <p:cNvGrpSpPr/>
+        <p:nvPr/>
+      </p:nvGrpSpPr>
+      <p:grpSpPr>
+        <a:xfrm>
+          <a:off x="0" y="0"/>
+          <a:ext cx="0" cy="0"/>
+          <a:chOff x="0" y="0"/>
+          <a:chExt cx="0" cy="0"/>
+        </a:xfrm>
+      </p:grpSpPr>
+      <p:sp>
+        <p:nvSpPr>
+          <p:cNvPr id="46" name="Google Shape;46;g33595029206_1_0"/>
+          <p:cNvSpPr txBox="1"/>
+          <p:nvPr>
+            <p:ph idx="4294967295" type="title"/>
+          </p:nvPr>
+        </p:nvSpPr>
+        <p:spPr>
+          <a:xfrm>
+            <a:off x="709613" y="365125"/>
+            <a:ext cx="11482500" cy="1325700"/>
+          </a:xfrm>
+          <a:prstGeom prst="rect">
+            <a:avLst/>
+          </a:prstGeom>
+          <a:noFill/>
+          <a:ln>
+            <a:noFill/>
+          </a:ln>
+        </p:spPr>
+        <p:txBody>
+          <a:bodyPr anchorCtr="0" anchor="ctr" bIns="45700" lIns="91425" spcFirstLastPara="1" rIns="91425" wrap="square" tIns="45700">
+            <a:normAutofit/>
+          </a:bodyPr>
+          <a:lstStyle/>
+          <a:p>
+            <a:pPr indent="0" lvl="0" marL="0" rtl="0" algn="l">
+              <a:lnSpc>
+                <a:spcPct val="90000"/>
+              </a:lnSpc>
+              <a:spcBef>
+                <a:spcPts val="0"/>
+              </a:spcBef>
+              <a:spcAft>
+                <a:spcPts val="0"/>
+              </a:spcAft>
+              <a:buClr>
+                <a:srgbClr val="E84A27"/>
+              </a:buClr>
+              <a:buSzPts val="4400"/>
+              <a:buFont typeface="Georgia"/>
+              <a:buNone/>
+            </a:pPr>
+            <a:r>
+              <a:rPr lang="en-US"/>
+              <a:t>Project Overview*</a:t>
+            </a:r>
+            <a:endParaRPr/>
+          </a:p>
+        </p:txBody>
+      </p:sp>
+      <p:sp>
+        <p:nvSpPr>
+          <p:cNvPr id="47" name="Google Shape;47;g33595029206_1_0"/>
+          <p:cNvSpPr txBox="1"/>
+          <p:nvPr/>
+        </p:nvSpPr>
+        <p:spPr>
+          <a:xfrm>
+            <a:off x="709625" y="1601675"/>
+            <a:ext cx="8728800" cy="4361700"/>
+          </a:xfrm>
+          <a:prstGeom prst="rect">
+            <a:avLst/>
+          </a:prstGeom>
+          <a:noFill/>
+          <a:ln>
+            <a:noFill/>
+          </a:ln>
+        </p:spPr>
+        <p:txBody>
+          <a:bodyPr anchorCtr="0" anchor="t" bIns="91425" lIns="91425" spcFirstLastPara="1" rIns="91425" wrap="square" tIns="91425">
+            <a:noAutofit/>
+          </a:bodyPr>
+          <a:lstStyle/>
+          <a:p>
+            <a:pPr indent="-457200" lvl="0" marL="457200" rtl="0" algn="l">
+              <a:spcBef>
+                <a:spcPts val="0"/>
+              </a:spcBef>
+              <a:spcAft>
+                <a:spcPts val="0"/>
+              </a:spcAft>
+              <a:buClr>
+                <a:srgbClr val="13294B"/>
+              </a:buClr>
+              <a:buSzPts val="3600"/>
+              <a:buFont typeface="Calibri"/>
+              <a:buChar char="●"/>
+            </a:pPr>
+            <a:r>
+              <a:rPr lang="en-US" sz="3600">
+                <a:solidFill>
+                  <a:srgbClr val="13294B"/>
+                </a:solidFill>
+                <a:latin typeface="Calibri"/>
+                <a:ea typeface="Calibri"/>
+                <a:cs typeface="Calibri"/>
+                <a:sym typeface="Calibri"/>
+              </a:rPr>
+              <a:t>Modular Online Processing in MSRs (MOP)</a:t>
+            </a:r>
+            <a:endParaRPr sz="3600">
+              <a:solidFill>
+                <a:srgbClr val="13294B"/>
+              </a:solidFill>
+              <a:latin typeface="Calibri"/>
+              <a:ea typeface="Calibri"/>
+              <a:cs typeface="Calibri"/>
+              <a:sym typeface="Calibri"/>
+            </a:endParaRPr>
+          </a:p>
+          <a:p>
+            <a:pPr indent="-457200" lvl="1" marL="914400" rtl="0" algn="l">
+              <a:spcBef>
+                <a:spcPts val="0"/>
+              </a:spcBef>
+              <a:spcAft>
+                <a:spcPts val="0"/>
+              </a:spcAft>
+              <a:buClr>
+                <a:srgbClr val="13294B"/>
+              </a:buClr>
+              <a:buSzPts val="3600"/>
+              <a:buFont typeface="Calibri"/>
+              <a:buChar char="○"/>
+            </a:pPr>
+            <a:r>
+              <a:rPr lang="en-US" sz="3600">
+                <a:solidFill>
+                  <a:srgbClr val="13294B"/>
+                </a:solidFill>
+                <a:latin typeface="Calibri"/>
+                <a:ea typeface="Calibri"/>
+                <a:cs typeface="Calibri"/>
+                <a:sym typeface="Calibri"/>
+              </a:rPr>
+              <a:t>replace batch-wise/offline</a:t>
+            </a:r>
+            <a:endParaRPr sz="3600">
+              <a:solidFill>
+                <a:srgbClr val="13294B"/>
+              </a:solidFill>
+              <a:latin typeface="Calibri"/>
+              <a:ea typeface="Calibri"/>
+              <a:cs typeface="Calibri"/>
+              <a:sym typeface="Calibri"/>
+            </a:endParaRPr>
+          </a:p>
+          <a:p>
+            <a:pPr indent="-457200" lvl="0" marL="457200" rtl="0" algn="l">
+              <a:spcBef>
+                <a:spcPts val="0"/>
+              </a:spcBef>
+              <a:spcAft>
+                <a:spcPts val="0"/>
+              </a:spcAft>
+              <a:buClr>
+                <a:srgbClr val="13294B"/>
+              </a:buClr>
+              <a:buSzPts val="3600"/>
+              <a:buFont typeface="Calibri"/>
+              <a:buChar char="●"/>
+            </a:pPr>
+            <a:r>
+              <a:rPr lang="en-US" sz="3600">
+                <a:solidFill>
+                  <a:srgbClr val="13294B"/>
+                </a:solidFill>
+                <a:latin typeface="Calibri"/>
+                <a:ea typeface="Calibri"/>
+                <a:cs typeface="Calibri"/>
+                <a:sym typeface="Calibri"/>
+              </a:rPr>
+              <a:t>Adaptive Processing Modules (APM)</a:t>
+            </a:r>
+            <a:endParaRPr sz="3600">
+              <a:solidFill>
+                <a:srgbClr val="13294B"/>
+              </a:solidFill>
+              <a:latin typeface="Calibri"/>
+              <a:ea typeface="Calibri"/>
+              <a:cs typeface="Calibri"/>
+              <a:sym typeface="Calibri"/>
+            </a:endParaRPr>
+          </a:p>
+          <a:p>
+            <a:pPr indent="-457200" lvl="1" marL="914400" rtl="0" algn="l">
+              <a:spcBef>
+                <a:spcPts val="0"/>
+              </a:spcBef>
+              <a:spcAft>
+                <a:spcPts val="0"/>
+              </a:spcAft>
+              <a:buClr>
+                <a:srgbClr val="13294B"/>
+              </a:buClr>
+              <a:buSzPts val="3600"/>
+              <a:buFont typeface="Calibri"/>
+              <a:buChar char="○"/>
+            </a:pPr>
+            <a:r>
+              <a:rPr lang="en-US" sz="3600">
+                <a:solidFill>
+                  <a:srgbClr val="13294B"/>
+                </a:solidFill>
+                <a:latin typeface="Calibri"/>
+                <a:ea typeface="Calibri"/>
+                <a:cs typeface="Calibri"/>
+                <a:sym typeface="Calibri"/>
+              </a:rPr>
+              <a:t>each module removes specific nuclide</a:t>
+            </a:r>
+            <a:endParaRPr sz="3600">
+              <a:solidFill>
+                <a:srgbClr val="13294B"/>
+              </a:solidFill>
+              <a:latin typeface="Calibri"/>
+              <a:ea typeface="Calibri"/>
+              <a:cs typeface="Calibri"/>
+              <a:sym typeface="Calibri"/>
+            </a:endParaRPr>
+          </a:p>
+          <a:p>
+            <a:pPr indent="-457200" lvl="0" marL="457200" rtl="0" algn="l">
+              <a:spcBef>
+                <a:spcPts val="0"/>
+              </a:spcBef>
+              <a:spcAft>
+                <a:spcPts val="0"/>
+              </a:spcAft>
+              <a:buClr>
+                <a:srgbClr val="13294B"/>
+              </a:buClr>
+              <a:buSzPts val="3600"/>
+              <a:buFont typeface="Calibri"/>
+              <a:buChar char="●"/>
+            </a:pPr>
+            <a:r>
+              <a:rPr lang="en-US" sz="3600">
+                <a:solidFill>
+                  <a:srgbClr val="13294B"/>
+                </a:solidFill>
+                <a:latin typeface="Calibri"/>
+                <a:ea typeface="Calibri"/>
+                <a:cs typeface="Calibri"/>
+                <a:sym typeface="Calibri"/>
+              </a:rPr>
+              <a:t>He bubbler for fission gasses</a:t>
+            </a:r>
+            <a:endParaRPr sz="3600">
+              <a:solidFill>
+                <a:srgbClr val="13294B"/>
+              </a:solidFill>
+              <a:latin typeface="Calibri"/>
+              <a:ea typeface="Calibri"/>
+              <a:cs typeface="Calibri"/>
+              <a:sym typeface="Calibri"/>
+            </a:endParaRPr>
+          </a:p>
+          <a:p>
+            <a:pPr indent="-457200" lvl="0" marL="457200" rtl="0" algn="l">
+              <a:spcBef>
+                <a:spcPts val="0"/>
+              </a:spcBef>
+              <a:spcAft>
+                <a:spcPts val="0"/>
+              </a:spcAft>
+              <a:buClr>
+                <a:srgbClr val="13294B"/>
+              </a:buClr>
+              <a:buSzPts val="3600"/>
+              <a:buFont typeface="Calibri"/>
+              <a:buChar char="●"/>
+            </a:pPr>
+            <a:r>
+              <a:rPr lang="en-US" sz="3600">
+                <a:solidFill>
+                  <a:srgbClr val="13294B"/>
+                </a:solidFill>
+                <a:latin typeface="Calibri"/>
+                <a:ea typeface="Calibri"/>
+                <a:cs typeface="Calibri"/>
+                <a:sym typeface="Calibri"/>
+              </a:rPr>
+              <a:t>Lower equilibrium concentrations</a:t>
+            </a:r>
+            <a:endParaRPr sz="3600">
+              <a:solidFill>
+                <a:srgbClr val="13294B"/>
+              </a:solidFill>
+              <a:latin typeface="Calibri"/>
+              <a:ea typeface="Calibri"/>
+              <a:cs typeface="Calibri"/>
+              <a:sym typeface="Calibri"/>
+            </a:endParaRPr>
+          </a:p>
+        </p:txBody>
+      </p:sp>
+      <p:pic>
+        <p:nvPicPr>
+          <p:cNvPr id="48" name="Google Shape;48;g33595029206_1_0"/>
+          <p:cNvPicPr preferRelativeResize="0"/>
+          <p:nvPr/>
+        </p:nvPicPr>
+        <p:blipFill rotWithShape="1">
+          <a:blip r:embed="rId3">
+            <a:alphaModFix/>
+          </a:blip>
+          <a:srcRect b="33749" l="20363" r="17778" t="37250"/>
+          <a:stretch/>
+        </p:blipFill>
+        <p:spPr>
+          <a:xfrm>
+            <a:off x="7840900" y="4433451"/>
+            <a:ext cx="4351099" cy="1529925"/>
+          </a:xfrm>
+          <a:prstGeom prst="rect">
+            <a:avLst/>
+          </a:prstGeom>
+          <a:noFill/>
+          <a:ln>
+            <a:noFill/>
+          </a:ln>
+        </p:spPr>
+      </p:pic>
+      <p:pic>
+        <p:nvPicPr>
+          <p:cNvPr id="49" name="Google Shape;49;g33595029206_1_0"/>
+          <p:cNvPicPr preferRelativeResize="0"/>
+          <p:nvPr/>
+        </p:nvPicPr>
+        <p:blipFill rotWithShape="1">
+          <a:blip r:embed="rId4">
+            <a:alphaModFix/>
+          </a:blip>
+          <a:srcRect b="15595" l="38923" r="36487" t="22269"/>
+          <a:stretch/>
+        </p:blipFill>
+        <p:spPr>
+          <a:xfrm>
+            <a:off x="9923325" y="365125"/>
+            <a:ext cx="1914619" cy="3628401"/>
           </a:xfrm>
           <a:prstGeom prst="rect">
             <a:avLst/>
